--- a/Project Hullraker Diagrams.pptx
+++ b/Project Hullraker Diagrams.pptx
@@ -5077,282 +5077,6 @@
       </p:sp>
       <p:sp>
         <p:nvSpPr>
-          <p:cNvPr id="19" name="Rectangle 18">
-            <a:extLst>
-              <a:ext uri="{FF2B5EF4-FFF2-40B4-BE49-F238E27FC236}">
-                <a16:creationId xmlns:a16="http://schemas.microsoft.com/office/drawing/2014/main" id="{70B68E9E-F49F-17A4-24C1-32035B8429C9}"/>
-              </a:ext>
-            </a:extLst>
-          </p:cNvPr>
-          <p:cNvSpPr/>
-          <p:nvPr/>
-        </p:nvSpPr>
-        <p:spPr>
-          <a:xfrm>
-            <a:off x="5843016" y="1259680"/>
-            <a:ext cx="105156" cy="190501"/>
-          </a:xfrm>
-          <a:prstGeom prst="rect">
-            <a:avLst/>
-          </a:prstGeom>
-        </p:spPr>
-        <p:style>
-          <a:lnRef idx="2">
-            <a:schemeClr val="accent1">
-              <a:shade val="15000"/>
-            </a:schemeClr>
-          </a:lnRef>
-          <a:fillRef idx="1">
-            <a:schemeClr val="accent1"/>
-          </a:fillRef>
-          <a:effectRef idx="0">
-            <a:schemeClr val="accent1"/>
-          </a:effectRef>
-          <a:fontRef idx="minor">
-            <a:schemeClr val="lt1"/>
-          </a:fontRef>
-        </p:style>
-        <p:txBody>
-          <a:bodyPr rtlCol="0" anchor="ctr"/>
-          <a:lstStyle/>
-          <a:p>
-            <a:pPr algn="ctr"/>
-            <a:endParaRPr lang="en-US"/>
-          </a:p>
-        </p:txBody>
-      </p:sp>
-      <p:sp>
-        <p:nvSpPr>
-          <p:cNvPr id="20" name="Rectangle 19">
-            <a:extLst>
-              <a:ext uri="{FF2B5EF4-FFF2-40B4-BE49-F238E27FC236}">
-                <a16:creationId xmlns:a16="http://schemas.microsoft.com/office/drawing/2014/main" id="{ABD519F8-FE80-444A-2346-F2A6C1EBE1F3}"/>
-              </a:ext>
-            </a:extLst>
-          </p:cNvPr>
-          <p:cNvSpPr/>
-          <p:nvPr/>
-        </p:nvSpPr>
-        <p:spPr>
-          <a:xfrm>
-            <a:off x="5317236" y="1258061"/>
-            <a:ext cx="105156" cy="190501"/>
-          </a:xfrm>
-          <a:prstGeom prst="rect">
-            <a:avLst/>
-          </a:prstGeom>
-        </p:spPr>
-        <p:style>
-          <a:lnRef idx="2">
-            <a:schemeClr val="accent1">
-              <a:shade val="15000"/>
-            </a:schemeClr>
-          </a:lnRef>
-          <a:fillRef idx="1">
-            <a:schemeClr val="accent1"/>
-          </a:fillRef>
-          <a:effectRef idx="0">
-            <a:schemeClr val="accent1"/>
-          </a:effectRef>
-          <a:fontRef idx="minor">
-            <a:schemeClr val="lt1"/>
-          </a:fontRef>
-        </p:style>
-        <p:txBody>
-          <a:bodyPr rtlCol="0" anchor="ctr"/>
-          <a:lstStyle/>
-          <a:p>
-            <a:pPr algn="ctr"/>
-            <a:endParaRPr lang="en-US"/>
-          </a:p>
-        </p:txBody>
-      </p:sp>
-      <p:sp>
-        <p:nvSpPr>
-          <p:cNvPr id="21" name="Rectangle 20">
-            <a:extLst>
-              <a:ext uri="{FF2B5EF4-FFF2-40B4-BE49-F238E27FC236}">
-                <a16:creationId xmlns:a16="http://schemas.microsoft.com/office/drawing/2014/main" id="{D11FE4A4-A5D2-6AD9-4911-67FFDED3864C}"/>
-              </a:ext>
-            </a:extLst>
-          </p:cNvPr>
-          <p:cNvSpPr/>
-          <p:nvPr/>
-        </p:nvSpPr>
-        <p:spPr>
-          <a:xfrm>
-            <a:off x="5931790" y="2269234"/>
-            <a:ext cx="105156" cy="190501"/>
-          </a:xfrm>
-          <a:prstGeom prst="rect">
-            <a:avLst/>
-          </a:prstGeom>
-        </p:spPr>
-        <p:style>
-          <a:lnRef idx="2">
-            <a:schemeClr val="accent1">
-              <a:shade val="15000"/>
-            </a:schemeClr>
-          </a:lnRef>
-          <a:fillRef idx="1">
-            <a:schemeClr val="accent1"/>
-          </a:fillRef>
-          <a:effectRef idx="0">
-            <a:schemeClr val="accent1"/>
-          </a:effectRef>
-          <a:fontRef idx="minor">
-            <a:schemeClr val="lt1"/>
-          </a:fontRef>
-        </p:style>
-        <p:txBody>
-          <a:bodyPr rtlCol="0" anchor="ctr"/>
-          <a:lstStyle/>
-          <a:p>
-            <a:pPr algn="ctr"/>
-            <a:endParaRPr lang="en-US"/>
-          </a:p>
-        </p:txBody>
-      </p:sp>
-      <p:sp>
-        <p:nvSpPr>
-          <p:cNvPr id="22" name="Rectangle 21">
-            <a:extLst>
-              <a:ext uri="{FF2B5EF4-FFF2-40B4-BE49-F238E27FC236}">
-                <a16:creationId xmlns:a16="http://schemas.microsoft.com/office/drawing/2014/main" id="{72B37226-9459-5CC3-E97D-5E3E667B8654}"/>
-              </a:ext>
-            </a:extLst>
-          </p:cNvPr>
-          <p:cNvSpPr/>
-          <p:nvPr/>
-        </p:nvSpPr>
-        <p:spPr>
-          <a:xfrm>
-            <a:off x="5315141" y="2269234"/>
-            <a:ext cx="105156" cy="190501"/>
-          </a:xfrm>
-          <a:prstGeom prst="rect">
-            <a:avLst/>
-          </a:prstGeom>
-        </p:spPr>
-        <p:style>
-          <a:lnRef idx="2">
-            <a:schemeClr val="accent1">
-              <a:shade val="15000"/>
-            </a:schemeClr>
-          </a:lnRef>
-          <a:fillRef idx="1">
-            <a:schemeClr val="accent1"/>
-          </a:fillRef>
-          <a:effectRef idx="0">
-            <a:schemeClr val="accent1"/>
-          </a:effectRef>
-          <a:fontRef idx="minor">
-            <a:schemeClr val="lt1"/>
-          </a:fontRef>
-        </p:style>
-        <p:txBody>
-          <a:bodyPr rtlCol="0" anchor="ctr"/>
-          <a:lstStyle/>
-          <a:p>
-            <a:pPr algn="ctr"/>
-            <a:endParaRPr lang="en-US"/>
-          </a:p>
-        </p:txBody>
-      </p:sp>
-      <p:sp>
-        <p:nvSpPr>
-          <p:cNvPr id="23" name="Rectangle 22">
-            <a:extLst>
-              <a:ext uri="{FF2B5EF4-FFF2-40B4-BE49-F238E27FC236}">
-                <a16:creationId xmlns:a16="http://schemas.microsoft.com/office/drawing/2014/main" id="{6C0CEA0D-5D3A-BE11-8BC9-1DB90FE6596D}"/>
-              </a:ext>
-            </a:extLst>
-          </p:cNvPr>
-          <p:cNvSpPr/>
-          <p:nvPr/>
-        </p:nvSpPr>
-        <p:spPr>
-          <a:xfrm>
-            <a:off x="6045137" y="4178808"/>
-            <a:ext cx="950975" cy="102108"/>
-          </a:xfrm>
-          <a:prstGeom prst="rect">
-            <a:avLst/>
-          </a:prstGeom>
-        </p:spPr>
-        <p:style>
-          <a:lnRef idx="2">
-            <a:schemeClr val="accent1">
-              <a:shade val="15000"/>
-            </a:schemeClr>
-          </a:lnRef>
-          <a:fillRef idx="1">
-            <a:schemeClr val="accent1"/>
-          </a:fillRef>
-          <a:effectRef idx="0">
-            <a:schemeClr val="accent1"/>
-          </a:effectRef>
-          <a:fontRef idx="minor">
-            <a:schemeClr val="lt1"/>
-          </a:fontRef>
-        </p:style>
-        <p:txBody>
-          <a:bodyPr rtlCol="0" anchor="ctr"/>
-          <a:lstStyle/>
-          <a:p>
-            <a:pPr algn="ctr"/>
-            <a:endParaRPr lang="en-US"/>
-          </a:p>
-        </p:txBody>
-      </p:sp>
-      <p:sp>
-        <p:nvSpPr>
-          <p:cNvPr id="25" name="Rectangle 24">
-            <a:extLst>
-              <a:ext uri="{FF2B5EF4-FFF2-40B4-BE49-F238E27FC236}">
-                <a16:creationId xmlns:a16="http://schemas.microsoft.com/office/drawing/2014/main" id="{660D287E-CDD9-9242-F83B-6A7C3E2A83DE}"/>
-              </a:ext>
-            </a:extLst>
-          </p:cNvPr>
-          <p:cNvSpPr/>
-          <p:nvPr/>
-        </p:nvSpPr>
-        <p:spPr>
-          <a:xfrm>
-            <a:off x="4216146" y="4171950"/>
-            <a:ext cx="950975" cy="102108"/>
-          </a:xfrm>
-          <a:prstGeom prst="rect">
-            <a:avLst/>
-          </a:prstGeom>
-        </p:spPr>
-        <p:style>
-          <a:lnRef idx="2">
-            <a:schemeClr val="accent1">
-              <a:shade val="15000"/>
-            </a:schemeClr>
-          </a:lnRef>
-          <a:fillRef idx="1">
-            <a:schemeClr val="accent1"/>
-          </a:fillRef>
-          <a:effectRef idx="0">
-            <a:schemeClr val="accent1"/>
-          </a:effectRef>
-          <a:fontRef idx="minor">
-            <a:schemeClr val="lt1"/>
-          </a:fontRef>
-        </p:style>
-        <p:txBody>
-          <a:bodyPr rtlCol="0" anchor="ctr"/>
-          <a:lstStyle/>
-          <a:p>
-            <a:pPr algn="ctr"/>
-            <a:endParaRPr lang="en-US"/>
-          </a:p>
-        </p:txBody>
-      </p:sp>
-      <p:sp>
-        <p:nvSpPr>
           <p:cNvPr id="26" name="Rectangle 25">
             <a:extLst>
               <a:ext uri="{FF2B5EF4-FFF2-40B4-BE49-F238E27FC236}">
@@ -6447,6 +6171,776 @@
           </a:fontRef>
         </p:style>
       </p:cxnSp>
+      <p:sp>
+        <p:nvSpPr>
+          <p:cNvPr id="61" name="Right Brace 60">
+            <a:extLst>
+              <a:ext uri="{FF2B5EF4-FFF2-40B4-BE49-F238E27FC236}">
+                <a16:creationId xmlns:a16="http://schemas.microsoft.com/office/drawing/2014/main" id="{AA1F3291-DADD-604A-C6C0-E7BA02E4E713}"/>
+              </a:ext>
+            </a:extLst>
+          </p:cNvPr>
+          <p:cNvSpPr/>
+          <p:nvPr/>
+        </p:nvSpPr>
+        <p:spPr>
+          <a:xfrm rot="16200000">
+            <a:off x="5474012" y="4173759"/>
+            <a:ext cx="276998" cy="839724"/>
+          </a:xfrm>
+          <a:prstGeom prst="rightBrace">
+            <a:avLst/>
+          </a:prstGeom>
+        </p:spPr>
+        <p:style>
+          <a:lnRef idx="2">
+            <a:schemeClr val="accent1"/>
+          </a:lnRef>
+          <a:fillRef idx="0">
+            <a:schemeClr val="accent1"/>
+          </a:fillRef>
+          <a:effectRef idx="1">
+            <a:schemeClr val="accent1"/>
+          </a:effectRef>
+          <a:fontRef idx="minor">
+            <a:schemeClr val="tx1"/>
+          </a:fontRef>
+        </p:style>
+        <p:txBody>
+          <a:bodyPr rtlCol="0" anchor="ctr"/>
+          <a:lstStyle/>
+          <a:p>
+            <a:pPr algn="ctr"/>
+            <a:endParaRPr lang="en-US"/>
+          </a:p>
+        </p:txBody>
+      </p:sp>
+      <p:grpSp>
+        <p:nvGrpSpPr>
+          <p:cNvPr id="71" name="Group 70">
+            <a:extLst>
+              <a:ext uri="{FF2B5EF4-FFF2-40B4-BE49-F238E27FC236}">
+                <a16:creationId xmlns:a16="http://schemas.microsoft.com/office/drawing/2014/main" id="{5DADF827-C301-6A03-1415-23B4B1FA83DA}"/>
+              </a:ext>
+            </a:extLst>
+          </p:cNvPr>
+          <p:cNvGrpSpPr/>
+          <p:nvPr/>
+        </p:nvGrpSpPr>
+        <p:grpSpPr>
+          <a:xfrm rot="5400000">
+            <a:off x="5632054" y="1245961"/>
+            <a:ext cx="360699" cy="169061"/>
+            <a:chOff x="7544754" y="2350008"/>
+            <a:chExt cx="651509" cy="270301"/>
+          </a:xfrm>
+        </p:grpSpPr>
+        <p:sp>
+          <p:nvSpPr>
+            <p:cNvPr id="72" name="Arrow: Right 71">
+              <a:extLst>
+                <a:ext uri="{FF2B5EF4-FFF2-40B4-BE49-F238E27FC236}">
+                  <a16:creationId xmlns:a16="http://schemas.microsoft.com/office/drawing/2014/main" id="{EE202FEA-A3CE-A7E1-9ADD-BD63E6F0B632}"/>
+                </a:ext>
+              </a:extLst>
+            </p:cNvPr>
+            <p:cNvSpPr/>
+            <p:nvPr/>
+          </p:nvSpPr>
+          <p:spPr>
+            <a:xfrm>
+              <a:off x="7670719" y="2350008"/>
+              <a:ext cx="525544" cy="270301"/>
+            </a:xfrm>
+            <a:prstGeom prst="rightArrow">
+              <a:avLst/>
+            </a:prstGeom>
+            <a:solidFill>
+              <a:schemeClr val="accent1"/>
+            </a:solidFill>
+            <a:ln>
+              <a:noFill/>
+            </a:ln>
+          </p:spPr>
+          <p:style>
+            <a:lnRef idx="0">
+              <a:scrgbClr r="0" g="0" b="0"/>
+            </a:lnRef>
+            <a:fillRef idx="0">
+              <a:scrgbClr r="0" g="0" b="0"/>
+            </a:fillRef>
+            <a:effectRef idx="0">
+              <a:scrgbClr r="0" g="0" b="0"/>
+            </a:effectRef>
+            <a:fontRef idx="minor">
+              <a:schemeClr val="lt1"/>
+            </a:fontRef>
+          </p:style>
+          <p:txBody>
+            <a:bodyPr rtlCol="0" anchor="ctr"/>
+            <a:lstStyle/>
+            <a:p>
+              <a:pPr algn="ctr"/>
+              <a:endParaRPr lang="en-US"/>
+            </a:p>
+          </p:txBody>
+        </p:sp>
+        <p:sp>
+          <p:nvSpPr>
+            <p:cNvPr id="73" name="Arrow: Right 72">
+              <a:extLst>
+                <a:ext uri="{FF2B5EF4-FFF2-40B4-BE49-F238E27FC236}">
+                  <a16:creationId xmlns:a16="http://schemas.microsoft.com/office/drawing/2014/main" id="{38B25616-B084-72B9-8526-A71165F2AC86}"/>
+                </a:ext>
+              </a:extLst>
+            </p:cNvPr>
+            <p:cNvSpPr/>
+            <p:nvPr/>
+          </p:nvSpPr>
+          <p:spPr>
+            <a:xfrm rot="10800000">
+              <a:off x="7544754" y="2356679"/>
+              <a:ext cx="513160" cy="256960"/>
+            </a:xfrm>
+            <a:prstGeom prst="rightArrow">
+              <a:avLst/>
+            </a:prstGeom>
+            <a:solidFill>
+              <a:schemeClr val="accent1"/>
+            </a:solidFill>
+            <a:ln>
+              <a:noFill/>
+            </a:ln>
+          </p:spPr>
+          <p:style>
+            <a:lnRef idx="0">
+              <a:scrgbClr r="0" g="0" b="0"/>
+            </a:lnRef>
+            <a:fillRef idx="0">
+              <a:scrgbClr r="0" g="0" b="0"/>
+            </a:fillRef>
+            <a:effectRef idx="0">
+              <a:scrgbClr r="0" g="0" b="0"/>
+            </a:effectRef>
+            <a:fontRef idx="minor">
+              <a:schemeClr val="lt1"/>
+            </a:fontRef>
+          </p:style>
+          <p:txBody>
+            <a:bodyPr rtlCol="0" anchor="ctr"/>
+            <a:lstStyle/>
+            <a:p>
+              <a:pPr algn="ctr"/>
+              <a:endParaRPr lang="en-US" dirty="0"/>
+            </a:p>
+          </p:txBody>
+        </p:sp>
+      </p:grpSp>
+      <p:grpSp>
+        <p:nvGrpSpPr>
+          <p:cNvPr id="74" name="Group 73">
+            <a:extLst>
+              <a:ext uri="{FF2B5EF4-FFF2-40B4-BE49-F238E27FC236}">
+                <a16:creationId xmlns:a16="http://schemas.microsoft.com/office/drawing/2014/main" id="{AC577417-256B-102C-861E-65B5C565CBB6}"/>
+              </a:ext>
+            </a:extLst>
+          </p:cNvPr>
+          <p:cNvGrpSpPr/>
+          <p:nvPr/>
+        </p:nvGrpSpPr>
+        <p:grpSpPr>
+          <a:xfrm rot="5400000">
+            <a:off x="5228158" y="1256752"/>
+            <a:ext cx="360699" cy="169061"/>
+            <a:chOff x="7544754" y="2350008"/>
+            <a:chExt cx="651509" cy="270301"/>
+          </a:xfrm>
+        </p:grpSpPr>
+        <p:sp>
+          <p:nvSpPr>
+            <p:cNvPr id="75" name="Arrow: Right 74">
+              <a:extLst>
+                <a:ext uri="{FF2B5EF4-FFF2-40B4-BE49-F238E27FC236}">
+                  <a16:creationId xmlns:a16="http://schemas.microsoft.com/office/drawing/2014/main" id="{4D96ED15-3DBB-F25B-A2F2-DAE1619E906F}"/>
+                </a:ext>
+              </a:extLst>
+            </p:cNvPr>
+            <p:cNvSpPr/>
+            <p:nvPr/>
+          </p:nvSpPr>
+          <p:spPr>
+            <a:xfrm>
+              <a:off x="7670719" y="2350008"/>
+              <a:ext cx="525544" cy="270301"/>
+            </a:xfrm>
+            <a:prstGeom prst="rightArrow">
+              <a:avLst/>
+            </a:prstGeom>
+            <a:solidFill>
+              <a:schemeClr val="accent1"/>
+            </a:solidFill>
+            <a:ln>
+              <a:noFill/>
+            </a:ln>
+          </p:spPr>
+          <p:style>
+            <a:lnRef idx="0">
+              <a:scrgbClr r="0" g="0" b="0"/>
+            </a:lnRef>
+            <a:fillRef idx="0">
+              <a:scrgbClr r="0" g="0" b="0"/>
+            </a:fillRef>
+            <a:effectRef idx="0">
+              <a:scrgbClr r="0" g="0" b="0"/>
+            </a:effectRef>
+            <a:fontRef idx="minor">
+              <a:schemeClr val="lt1"/>
+            </a:fontRef>
+          </p:style>
+          <p:txBody>
+            <a:bodyPr rtlCol="0" anchor="ctr"/>
+            <a:lstStyle/>
+            <a:p>
+              <a:pPr algn="ctr"/>
+              <a:endParaRPr lang="en-US"/>
+            </a:p>
+          </p:txBody>
+        </p:sp>
+        <p:sp>
+          <p:nvSpPr>
+            <p:cNvPr id="76" name="Arrow: Right 75">
+              <a:extLst>
+                <a:ext uri="{FF2B5EF4-FFF2-40B4-BE49-F238E27FC236}">
+                  <a16:creationId xmlns:a16="http://schemas.microsoft.com/office/drawing/2014/main" id="{1E89ACB2-FEDF-33F8-8E06-276FE49F743A}"/>
+                </a:ext>
+              </a:extLst>
+            </p:cNvPr>
+            <p:cNvSpPr/>
+            <p:nvPr/>
+          </p:nvSpPr>
+          <p:spPr>
+            <a:xfrm rot="10800000">
+              <a:off x="7544754" y="2356679"/>
+              <a:ext cx="513160" cy="256960"/>
+            </a:xfrm>
+            <a:prstGeom prst="rightArrow">
+              <a:avLst/>
+            </a:prstGeom>
+            <a:solidFill>
+              <a:schemeClr val="accent1"/>
+            </a:solidFill>
+            <a:ln>
+              <a:noFill/>
+            </a:ln>
+          </p:spPr>
+          <p:style>
+            <a:lnRef idx="0">
+              <a:scrgbClr r="0" g="0" b="0"/>
+            </a:lnRef>
+            <a:fillRef idx="0">
+              <a:scrgbClr r="0" g="0" b="0"/>
+            </a:fillRef>
+            <a:effectRef idx="0">
+              <a:scrgbClr r="0" g="0" b="0"/>
+            </a:effectRef>
+            <a:fontRef idx="minor">
+              <a:schemeClr val="lt1"/>
+            </a:fontRef>
+          </p:style>
+          <p:txBody>
+            <a:bodyPr rtlCol="0" anchor="ctr"/>
+            <a:lstStyle/>
+            <a:p>
+              <a:pPr algn="ctr"/>
+              <a:endParaRPr lang="en-US" dirty="0"/>
+            </a:p>
+          </p:txBody>
+        </p:sp>
+      </p:grpSp>
+      <p:grpSp>
+        <p:nvGrpSpPr>
+          <p:cNvPr id="77" name="Group 76">
+            <a:extLst>
+              <a:ext uri="{FF2B5EF4-FFF2-40B4-BE49-F238E27FC236}">
+                <a16:creationId xmlns:a16="http://schemas.microsoft.com/office/drawing/2014/main" id="{10DA0066-FF54-1372-30F1-406ACFBE87E9}"/>
+              </a:ext>
+            </a:extLst>
+          </p:cNvPr>
+          <p:cNvGrpSpPr/>
+          <p:nvPr/>
+        </p:nvGrpSpPr>
+        <p:grpSpPr>
+          <a:xfrm rot="5400000">
+            <a:off x="5643668" y="2289780"/>
+            <a:ext cx="360699" cy="169061"/>
+            <a:chOff x="7544754" y="2350008"/>
+            <a:chExt cx="651509" cy="270301"/>
+          </a:xfrm>
+        </p:grpSpPr>
+        <p:sp>
+          <p:nvSpPr>
+            <p:cNvPr id="78" name="Arrow: Right 77">
+              <a:extLst>
+                <a:ext uri="{FF2B5EF4-FFF2-40B4-BE49-F238E27FC236}">
+                  <a16:creationId xmlns:a16="http://schemas.microsoft.com/office/drawing/2014/main" id="{D5972C5E-CE60-3D48-2897-FD228ABF74A1}"/>
+                </a:ext>
+              </a:extLst>
+            </p:cNvPr>
+            <p:cNvSpPr/>
+            <p:nvPr/>
+          </p:nvSpPr>
+          <p:spPr>
+            <a:xfrm>
+              <a:off x="7670719" y="2350008"/>
+              <a:ext cx="525544" cy="270301"/>
+            </a:xfrm>
+            <a:prstGeom prst="rightArrow">
+              <a:avLst/>
+            </a:prstGeom>
+            <a:solidFill>
+              <a:schemeClr val="accent1"/>
+            </a:solidFill>
+            <a:ln>
+              <a:noFill/>
+            </a:ln>
+          </p:spPr>
+          <p:style>
+            <a:lnRef idx="0">
+              <a:scrgbClr r="0" g="0" b="0"/>
+            </a:lnRef>
+            <a:fillRef idx="0">
+              <a:scrgbClr r="0" g="0" b="0"/>
+            </a:fillRef>
+            <a:effectRef idx="0">
+              <a:scrgbClr r="0" g="0" b="0"/>
+            </a:effectRef>
+            <a:fontRef idx="minor">
+              <a:schemeClr val="lt1"/>
+            </a:fontRef>
+          </p:style>
+          <p:txBody>
+            <a:bodyPr rtlCol="0" anchor="ctr"/>
+            <a:lstStyle/>
+            <a:p>
+              <a:pPr algn="ctr"/>
+              <a:endParaRPr lang="en-US"/>
+            </a:p>
+          </p:txBody>
+        </p:sp>
+        <p:sp>
+          <p:nvSpPr>
+            <p:cNvPr id="79" name="Arrow: Right 78">
+              <a:extLst>
+                <a:ext uri="{FF2B5EF4-FFF2-40B4-BE49-F238E27FC236}">
+                  <a16:creationId xmlns:a16="http://schemas.microsoft.com/office/drawing/2014/main" id="{6777A047-01A7-5891-7438-5758D6F5B46D}"/>
+                </a:ext>
+              </a:extLst>
+            </p:cNvPr>
+            <p:cNvSpPr/>
+            <p:nvPr/>
+          </p:nvSpPr>
+          <p:spPr>
+            <a:xfrm rot="10800000">
+              <a:off x="7544754" y="2356679"/>
+              <a:ext cx="513160" cy="256960"/>
+            </a:xfrm>
+            <a:prstGeom prst="rightArrow">
+              <a:avLst/>
+            </a:prstGeom>
+            <a:solidFill>
+              <a:schemeClr val="accent1"/>
+            </a:solidFill>
+            <a:ln>
+              <a:noFill/>
+            </a:ln>
+          </p:spPr>
+          <p:style>
+            <a:lnRef idx="0">
+              <a:scrgbClr r="0" g="0" b="0"/>
+            </a:lnRef>
+            <a:fillRef idx="0">
+              <a:scrgbClr r="0" g="0" b="0"/>
+            </a:fillRef>
+            <a:effectRef idx="0">
+              <a:scrgbClr r="0" g="0" b="0"/>
+            </a:effectRef>
+            <a:fontRef idx="minor">
+              <a:schemeClr val="lt1"/>
+            </a:fontRef>
+          </p:style>
+          <p:txBody>
+            <a:bodyPr rtlCol="0" anchor="ctr"/>
+            <a:lstStyle/>
+            <a:p>
+              <a:pPr algn="ctr"/>
+              <a:endParaRPr lang="en-US" dirty="0"/>
+            </a:p>
+          </p:txBody>
+        </p:sp>
+      </p:grpSp>
+      <p:grpSp>
+        <p:nvGrpSpPr>
+          <p:cNvPr id="80" name="Group 79">
+            <a:extLst>
+              <a:ext uri="{FF2B5EF4-FFF2-40B4-BE49-F238E27FC236}">
+                <a16:creationId xmlns:a16="http://schemas.microsoft.com/office/drawing/2014/main" id="{429FEAE2-65E2-7C68-EA9C-7BE7FC1CE2F4}"/>
+              </a:ext>
+            </a:extLst>
+          </p:cNvPr>
+          <p:cNvGrpSpPr/>
+          <p:nvPr/>
+        </p:nvGrpSpPr>
+        <p:grpSpPr>
+          <a:xfrm rot="5400000">
+            <a:off x="5228159" y="2288919"/>
+            <a:ext cx="360699" cy="169061"/>
+            <a:chOff x="7544754" y="2350008"/>
+            <a:chExt cx="651509" cy="270301"/>
+          </a:xfrm>
+        </p:grpSpPr>
+        <p:sp>
+          <p:nvSpPr>
+            <p:cNvPr id="81" name="Arrow: Right 80">
+              <a:extLst>
+                <a:ext uri="{FF2B5EF4-FFF2-40B4-BE49-F238E27FC236}">
+                  <a16:creationId xmlns:a16="http://schemas.microsoft.com/office/drawing/2014/main" id="{F659B235-F2EB-4316-5E7A-CDE2180DC3C1}"/>
+                </a:ext>
+              </a:extLst>
+            </p:cNvPr>
+            <p:cNvSpPr/>
+            <p:nvPr/>
+          </p:nvSpPr>
+          <p:spPr>
+            <a:xfrm>
+              <a:off x="7670719" y="2350008"/>
+              <a:ext cx="525544" cy="270301"/>
+            </a:xfrm>
+            <a:prstGeom prst="rightArrow">
+              <a:avLst/>
+            </a:prstGeom>
+            <a:solidFill>
+              <a:schemeClr val="accent1"/>
+            </a:solidFill>
+            <a:ln>
+              <a:noFill/>
+            </a:ln>
+          </p:spPr>
+          <p:style>
+            <a:lnRef idx="0">
+              <a:scrgbClr r="0" g="0" b="0"/>
+            </a:lnRef>
+            <a:fillRef idx="0">
+              <a:scrgbClr r="0" g="0" b="0"/>
+            </a:fillRef>
+            <a:effectRef idx="0">
+              <a:scrgbClr r="0" g="0" b="0"/>
+            </a:effectRef>
+            <a:fontRef idx="minor">
+              <a:schemeClr val="lt1"/>
+            </a:fontRef>
+          </p:style>
+          <p:txBody>
+            <a:bodyPr rtlCol="0" anchor="ctr"/>
+            <a:lstStyle/>
+            <a:p>
+              <a:pPr algn="ctr"/>
+              <a:endParaRPr lang="en-US"/>
+            </a:p>
+          </p:txBody>
+        </p:sp>
+        <p:sp>
+          <p:nvSpPr>
+            <p:cNvPr id="82" name="Arrow: Right 81">
+              <a:extLst>
+                <a:ext uri="{FF2B5EF4-FFF2-40B4-BE49-F238E27FC236}">
+                  <a16:creationId xmlns:a16="http://schemas.microsoft.com/office/drawing/2014/main" id="{D7CBE9FD-68DA-9F04-67D3-E46D9BB6745F}"/>
+                </a:ext>
+              </a:extLst>
+            </p:cNvPr>
+            <p:cNvSpPr/>
+            <p:nvPr/>
+          </p:nvSpPr>
+          <p:spPr>
+            <a:xfrm rot="10800000">
+              <a:off x="7544754" y="2356679"/>
+              <a:ext cx="513160" cy="256960"/>
+            </a:xfrm>
+            <a:prstGeom prst="rightArrow">
+              <a:avLst/>
+            </a:prstGeom>
+            <a:solidFill>
+              <a:schemeClr val="accent1"/>
+            </a:solidFill>
+            <a:ln>
+              <a:noFill/>
+            </a:ln>
+          </p:spPr>
+          <p:style>
+            <a:lnRef idx="0">
+              <a:scrgbClr r="0" g="0" b="0"/>
+            </a:lnRef>
+            <a:fillRef idx="0">
+              <a:scrgbClr r="0" g="0" b="0"/>
+            </a:fillRef>
+            <a:effectRef idx="0">
+              <a:scrgbClr r="0" g="0" b="0"/>
+            </a:effectRef>
+            <a:fontRef idx="minor">
+              <a:schemeClr val="lt1"/>
+            </a:fontRef>
+          </p:style>
+          <p:txBody>
+            <a:bodyPr rtlCol="0" anchor="ctr"/>
+            <a:lstStyle/>
+            <a:p>
+              <a:pPr algn="ctr"/>
+              <a:endParaRPr lang="en-US" dirty="0"/>
+            </a:p>
+          </p:txBody>
+        </p:sp>
+      </p:grpSp>
+      <p:grpSp>
+        <p:nvGrpSpPr>
+          <p:cNvPr id="83" name="Group 82">
+            <a:extLst>
+              <a:ext uri="{FF2B5EF4-FFF2-40B4-BE49-F238E27FC236}">
+                <a16:creationId xmlns:a16="http://schemas.microsoft.com/office/drawing/2014/main" id="{F872F052-4A13-0282-BCB1-15B12ECDCD5A}"/>
+              </a:ext>
+            </a:extLst>
+          </p:cNvPr>
+          <p:cNvGrpSpPr/>
+          <p:nvPr/>
+        </p:nvGrpSpPr>
+        <p:grpSpPr>
+          <a:xfrm>
+            <a:off x="5977008" y="4169777"/>
+            <a:ext cx="1182361" cy="169061"/>
+            <a:chOff x="7544754" y="2350008"/>
+            <a:chExt cx="651509" cy="270301"/>
+          </a:xfrm>
+        </p:grpSpPr>
+        <p:sp>
+          <p:nvSpPr>
+            <p:cNvPr id="84" name="Arrow: Right 83">
+              <a:extLst>
+                <a:ext uri="{FF2B5EF4-FFF2-40B4-BE49-F238E27FC236}">
+                  <a16:creationId xmlns:a16="http://schemas.microsoft.com/office/drawing/2014/main" id="{585135BA-912D-33D9-FC5F-4A416AF416C4}"/>
+                </a:ext>
+              </a:extLst>
+            </p:cNvPr>
+            <p:cNvSpPr/>
+            <p:nvPr/>
+          </p:nvSpPr>
+          <p:spPr>
+            <a:xfrm>
+              <a:off x="7670719" y="2350008"/>
+              <a:ext cx="525544" cy="270301"/>
+            </a:xfrm>
+            <a:prstGeom prst="rightArrow">
+              <a:avLst/>
+            </a:prstGeom>
+            <a:solidFill>
+              <a:schemeClr val="accent1"/>
+            </a:solidFill>
+            <a:ln>
+              <a:noFill/>
+            </a:ln>
+          </p:spPr>
+          <p:style>
+            <a:lnRef idx="0">
+              <a:scrgbClr r="0" g="0" b="0"/>
+            </a:lnRef>
+            <a:fillRef idx="0">
+              <a:scrgbClr r="0" g="0" b="0"/>
+            </a:fillRef>
+            <a:effectRef idx="0">
+              <a:scrgbClr r="0" g="0" b="0"/>
+            </a:effectRef>
+            <a:fontRef idx="minor">
+              <a:schemeClr val="lt1"/>
+            </a:fontRef>
+          </p:style>
+          <p:txBody>
+            <a:bodyPr rtlCol="0" anchor="ctr"/>
+            <a:lstStyle/>
+            <a:p>
+              <a:pPr algn="ctr"/>
+              <a:endParaRPr lang="en-US"/>
+            </a:p>
+          </p:txBody>
+        </p:sp>
+        <p:sp>
+          <p:nvSpPr>
+            <p:cNvPr id="85" name="Arrow: Right 84">
+              <a:extLst>
+                <a:ext uri="{FF2B5EF4-FFF2-40B4-BE49-F238E27FC236}">
+                  <a16:creationId xmlns:a16="http://schemas.microsoft.com/office/drawing/2014/main" id="{E9A37013-3665-7CD0-9F14-72E008F8ADFE}"/>
+                </a:ext>
+              </a:extLst>
+            </p:cNvPr>
+            <p:cNvSpPr/>
+            <p:nvPr/>
+          </p:nvSpPr>
+          <p:spPr>
+            <a:xfrm rot="10800000">
+              <a:off x="7544754" y="2356679"/>
+              <a:ext cx="513160" cy="256960"/>
+            </a:xfrm>
+            <a:prstGeom prst="rightArrow">
+              <a:avLst/>
+            </a:prstGeom>
+            <a:solidFill>
+              <a:schemeClr val="accent1"/>
+            </a:solidFill>
+            <a:ln>
+              <a:noFill/>
+            </a:ln>
+          </p:spPr>
+          <p:style>
+            <a:lnRef idx="0">
+              <a:scrgbClr r="0" g="0" b="0"/>
+            </a:lnRef>
+            <a:fillRef idx="0">
+              <a:scrgbClr r="0" g="0" b="0"/>
+            </a:fillRef>
+            <a:effectRef idx="0">
+              <a:scrgbClr r="0" g="0" b="0"/>
+            </a:effectRef>
+            <a:fontRef idx="minor">
+              <a:schemeClr val="lt1"/>
+            </a:fontRef>
+          </p:style>
+          <p:txBody>
+            <a:bodyPr rtlCol="0" anchor="ctr"/>
+            <a:lstStyle/>
+            <a:p>
+              <a:pPr algn="ctr"/>
+              <a:endParaRPr lang="en-US" dirty="0"/>
+            </a:p>
+          </p:txBody>
+        </p:sp>
+      </p:grpSp>
+      <p:grpSp>
+        <p:nvGrpSpPr>
+          <p:cNvPr id="89" name="Group 88">
+            <a:extLst>
+              <a:ext uri="{FF2B5EF4-FFF2-40B4-BE49-F238E27FC236}">
+                <a16:creationId xmlns:a16="http://schemas.microsoft.com/office/drawing/2014/main" id="{06B9222D-25E0-E7A2-2E39-CBF533DBED5C}"/>
+              </a:ext>
+            </a:extLst>
+          </p:cNvPr>
+          <p:cNvGrpSpPr/>
+          <p:nvPr/>
+        </p:nvGrpSpPr>
+        <p:grpSpPr>
+          <a:xfrm>
+            <a:off x="4118491" y="4157614"/>
+            <a:ext cx="1126997" cy="169061"/>
+            <a:chOff x="7544754" y="2350008"/>
+            <a:chExt cx="651509" cy="270301"/>
+          </a:xfrm>
+        </p:grpSpPr>
+        <p:sp>
+          <p:nvSpPr>
+            <p:cNvPr id="90" name="Arrow: Right 89">
+              <a:extLst>
+                <a:ext uri="{FF2B5EF4-FFF2-40B4-BE49-F238E27FC236}">
+                  <a16:creationId xmlns:a16="http://schemas.microsoft.com/office/drawing/2014/main" id="{CF13691C-99A2-6CA2-4331-F36F3D63FA56}"/>
+                </a:ext>
+              </a:extLst>
+            </p:cNvPr>
+            <p:cNvSpPr/>
+            <p:nvPr/>
+          </p:nvSpPr>
+          <p:spPr>
+            <a:xfrm>
+              <a:off x="7670719" y="2350008"/>
+              <a:ext cx="525544" cy="270301"/>
+            </a:xfrm>
+            <a:prstGeom prst="rightArrow">
+              <a:avLst/>
+            </a:prstGeom>
+            <a:solidFill>
+              <a:schemeClr val="accent1"/>
+            </a:solidFill>
+            <a:ln>
+              <a:noFill/>
+            </a:ln>
+          </p:spPr>
+          <p:style>
+            <a:lnRef idx="0">
+              <a:scrgbClr r="0" g="0" b="0"/>
+            </a:lnRef>
+            <a:fillRef idx="0">
+              <a:scrgbClr r="0" g="0" b="0"/>
+            </a:fillRef>
+            <a:effectRef idx="0">
+              <a:scrgbClr r="0" g="0" b="0"/>
+            </a:effectRef>
+            <a:fontRef idx="minor">
+              <a:schemeClr val="lt1"/>
+            </a:fontRef>
+          </p:style>
+          <p:txBody>
+            <a:bodyPr rtlCol="0" anchor="ctr"/>
+            <a:lstStyle/>
+            <a:p>
+              <a:pPr algn="ctr"/>
+              <a:endParaRPr lang="en-US"/>
+            </a:p>
+          </p:txBody>
+        </p:sp>
+        <p:sp>
+          <p:nvSpPr>
+            <p:cNvPr id="91" name="Arrow: Right 90">
+              <a:extLst>
+                <a:ext uri="{FF2B5EF4-FFF2-40B4-BE49-F238E27FC236}">
+                  <a16:creationId xmlns:a16="http://schemas.microsoft.com/office/drawing/2014/main" id="{1CDEFB76-A387-A016-6364-99F9B9F66883}"/>
+                </a:ext>
+              </a:extLst>
+            </p:cNvPr>
+            <p:cNvSpPr/>
+            <p:nvPr/>
+          </p:nvSpPr>
+          <p:spPr>
+            <a:xfrm rot="10800000">
+              <a:off x="7544754" y="2356679"/>
+              <a:ext cx="513160" cy="256960"/>
+            </a:xfrm>
+            <a:prstGeom prst="rightArrow">
+              <a:avLst/>
+            </a:prstGeom>
+            <a:solidFill>
+              <a:schemeClr val="accent1"/>
+            </a:solidFill>
+            <a:ln>
+              <a:noFill/>
+            </a:ln>
+          </p:spPr>
+          <p:style>
+            <a:lnRef idx="0">
+              <a:scrgbClr r="0" g="0" b="0"/>
+            </a:lnRef>
+            <a:fillRef idx="0">
+              <a:scrgbClr r="0" g="0" b="0"/>
+            </a:fillRef>
+            <a:effectRef idx="0">
+              <a:scrgbClr r="0" g="0" b="0"/>
+            </a:effectRef>
+            <a:fontRef idx="minor">
+              <a:schemeClr val="lt1"/>
+            </a:fontRef>
+          </p:style>
+          <p:txBody>
+            <a:bodyPr rtlCol="0" anchor="ctr"/>
+            <a:lstStyle/>
+            <a:p>
+              <a:pPr algn="ctr"/>
+              <a:endParaRPr lang="en-US" dirty="0"/>
+            </a:p>
+          </p:txBody>
+        </p:sp>
+      </p:grpSp>
     </p:spTree>
     <p:extLst>
       <p:ext uri="{BB962C8B-B14F-4D97-AF65-F5344CB8AC3E}">
